--- a/templates/ppt_template/split_presentations_243.pptx
+++ b/templates/ppt_template/split_presentations_243.pptx
@@ -800,7 +800,7 @@
           <a:graphicData uri="http://schemas.openxmlformats.org/presentationml/2006/ole">
             <mc:AlternateContent xmlns:mc="http://schemas.openxmlformats.org/markup-compatibility/2006">
               <mc:Choice xmlns:v="urn:schemas-microsoft-com:vml" Requires="v">
-                <p:oleObj spid="_x0000_s261127" name="think-cell 幻灯片" r:id="rId4" imgW="349" imgH="350" progId="TCLayout.ActiveDocument.1">
+                <p:oleObj spid="_x0000_s261136" name="think-cell 幻灯片" r:id="rId4" imgW="349" imgH="350" progId="TCLayout.ActiveDocument.1">
                   <p:embed/>
                 </p:oleObj>
               </mc:Choice>
@@ -950,7 +950,7 @@
           <a:graphicData uri="http://schemas.openxmlformats.org/presentationml/2006/ole">
             <mc:AlternateContent xmlns:mc="http://schemas.openxmlformats.org/markup-compatibility/2006">
               <mc:Choice xmlns:v="urn:schemas-microsoft-com:vml" Requires="v">
-                <p:oleObj spid="_x0000_s259079" name="think-cell 幻灯片" r:id="rId10" imgW="270" imgH="270" progId="TCLayout.ActiveDocument.1">
+                <p:oleObj spid="_x0000_s259088" name="think-cell 幻灯片" r:id="rId10" imgW="270" imgH="270" progId="TCLayout.ActiveDocument.1">
                   <p:embed/>
                 </p:oleObj>
               </mc:Choice>
@@ -3300,7 +3300,7 @@
           <a:graphicData uri="http://schemas.openxmlformats.org/presentationml/2006/ole">
             <mc:AlternateContent xmlns:mc="http://schemas.openxmlformats.org/markup-compatibility/2006">
               <mc:Choice xmlns:v="urn:schemas-microsoft-com:vml" Requires="v">
-                <p:oleObj spid="_x0000_s250887" name="think-cell 幻灯片" r:id="rId5" imgW="349" imgH="350" progId="TCLayout.ActiveDocument.1">
+                <p:oleObj spid="_x0000_s250896" name="think-cell 幻灯片" r:id="rId5" imgW="349" imgH="350" progId="TCLayout.ActiveDocument.1">
                   <p:embed/>
                 </p:oleObj>
               </mc:Choice>

--- a/templates/ppt_template/split_presentations_243.pptx
+++ b/templates/ppt_template/split_presentations_243.pptx
@@ -1,22 +1,22 @@
 
 <file path=ppt/presentation.xml><?xml version="1.0" encoding="utf-8"?>
-<p:presentation xmlns:p15="http://schemas.microsoft.com/office/powerpoint/2012/main" xmlns:a="http://schemas.openxmlformats.org/drawingml/2006/main" xmlns:r="http://schemas.openxmlformats.org/officeDocument/2006/relationships" xmlns:p="http://schemas.openxmlformats.org/presentationml/2006/main" showSpecialPlsOnTitleSld="0" removePersonalInfoOnSave="1" saveSubsetFonts="1" autoCompressPictures="0">
+<p:presentation xmlns:a="http://schemas.openxmlformats.org/drawingml/2006/main" xmlns:r="http://schemas.openxmlformats.org/officeDocument/2006/relationships" xmlns:p="http://schemas.openxmlformats.org/presentationml/2006/main" showSpecialPlsOnTitleSld="0" removePersonalInfoOnSave="1" saveSubsetFonts="1" autoCompressPictures="0">
   <p:sldMasterIdLst>
     <p:sldMasterId id="2147483692" r:id="rId3"/>
   </p:sldMasterIdLst>
   <p:notesMasterIdLst>
-    <p:notesMasterId r:id="rId254"/>
+    <p:notesMasterId r:id="rId5"/>
   </p:notesMasterIdLst>
   <p:handoutMasterIdLst>
-    <p:handoutMasterId r:id="rId255"/>
+    <p:handoutMasterId r:id="rId6"/>
   </p:handoutMasterIdLst>
   <p:sldIdLst>
-    <p:sldId id="369" r:id="rId246"/>
+    <p:sldId id="369" r:id="rId4"/>
   </p:sldIdLst>
   <p:sldSz cx="12192000" cy="6858000"/>
   <p:notesSz cx="6858000" cy="9144000"/>
   <p:custDataLst>
-    <p:tags r:id="rId256"/>
+    <p:tags r:id="rId7"/>
   </p:custDataLst>
   <p:defaultTextStyle>
     <a:defPPr>
@@ -232,7 +232,7 @@
           <a:p>
             <a:fld id="{887C93E6-3CAE-4165-B3AF-CD7E12F79975}" type="datetimeFigureOut">
               <a:rPr lang="en-US" smtClean="0"/>
-              <a:t>2017</a:t>
+              <a:t>9/15/2025</a:t>
             </a:fld>
             <a:endParaRPr lang="en-US"/>
           </a:p>
@@ -677,7 +677,7 @@
 </p:notesMaster>
 </file>
 
-<file path=ppt/notesSlides/notesSlide243.xml><?xml version="1.0" encoding="utf-8"?>
+<file path=ppt/notesSlides/notesSlide1.xml><?xml version="1.0" encoding="utf-8"?>
 <p:notes xmlns:a="http://schemas.openxmlformats.org/drawingml/2006/main" xmlns:r="http://schemas.openxmlformats.org/officeDocument/2006/relationships" xmlns:p="http://schemas.openxmlformats.org/presentationml/2006/main">
   <p:cSld>
     <p:spTree>
@@ -757,7 +757,7 @@
 </p:notes>
 </file>
 
-<file path=ppt/slideLayouts/slideLayout5.xml><?xml version="1.0" encoding="utf-8"?>
+<file path=ppt/slideLayouts/slideLayout1.xml><?xml version="1.0" encoding="utf-8"?>
 <p:sldLayout xmlns:a="http://schemas.openxmlformats.org/drawingml/2006/main" xmlns:r="http://schemas.openxmlformats.org/officeDocument/2006/relationships" xmlns:p="http://schemas.openxmlformats.org/presentationml/2006/main" showMasterPhAnim="0" userDrawn="1">
   <p:cSld name="仅标题">
     <p:spTree>
@@ -800,7 +800,7 @@
           <a:graphicData uri="http://schemas.openxmlformats.org/presentationml/2006/ole">
             <mc:AlternateContent xmlns:mc="http://schemas.openxmlformats.org/markup-compatibility/2006">
               <mc:Choice xmlns:v="urn:schemas-microsoft-com:vml" Requires="v">
-                <p:oleObj spid="_x0000_s261136" name="think-cell 幻灯片" r:id="rId4" imgW="349" imgH="350" progId="TCLayout.ActiveDocument.1">
+                <p:oleObj spid="_x0000_s261139" name="think-cell 幻灯片" r:id="rId4" imgW="349" imgH="350" progId="TCLayout.ActiveDocument.1">
                   <p:embed/>
                 </p:oleObj>
               </mc:Choice>
@@ -906,7 +906,7 @@
 </file>
 
 <file path=ppt/slideMasters/slideMaster1.xml><?xml version="1.0" encoding="utf-8"?>
-<p:sldMaster xmlns:mc="http://schemas.openxmlformats.org/markup-compatibility/2006" xmlns:v="urn:schemas-microsoft-com:vml" xmlns:a16="http://schemas.microsoft.com/office/drawing/2014/main" xmlns:p14="http://schemas.microsoft.com/office/powerpoint/2010/main" xmlns:p15="http://schemas.microsoft.com/office/powerpoint/2012/main" xmlns:a="http://schemas.openxmlformats.org/drawingml/2006/main" xmlns:r="http://schemas.openxmlformats.org/officeDocument/2006/relationships" xmlns:p="http://schemas.openxmlformats.org/presentationml/2006/main" preserve="1">
+<p:sldMaster xmlns:a="http://schemas.openxmlformats.org/drawingml/2006/main" xmlns:r="http://schemas.openxmlformats.org/officeDocument/2006/relationships" xmlns:p="http://schemas.openxmlformats.org/presentationml/2006/main" preserve="1">
   <p:cSld>
     <p:bg>
       <p:bgPr>
@@ -938,7 +938,7 @@
           </p:cNvGraphicFramePr>
           <p:nvPr userDrawn="1">
             <p:custDataLst>
-              <p:tags r:id="rId9"/>
+              <p:tags r:id="rId4"/>
             </p:custDataLst>
           </p:nvPr>
         </p:nvGraphicFramePr>
@@ -950,12 +950,12 @@
           <a:graphicData uri="http://schemas.openxmlformats.org/presentationml/2006/ole">
             <mc:AlternateContent xmlns:mc="http://schemas.openxmlformats.org/markup-compatibility/2006">
               <mc:Choice xmlns:v="urn:schemas-microsoft-com:vml" Requires="v">
-                <p:oleObj spid="_x0000_s259088" name="think-cell 幻灯片" r:id="rId10" imgW="270" imgH="270" progId="TCLayout.ActiveDocument.1">
+                <p:oleObj spid="_x0000_s259091" name="think-cell 幻灯片" r:id="rId5" imgW="270" imgH="270" progId="TCLayout.ActiveDocument.1">
                   <p:embed/>
                 </p:oleObj>
               </mc:Choice>
               <mc:Fallback>
-                <p:oleObj name="think-cell 幻灯片" r:id="rId10" imgW="270" imgH="270" progId="TCLayout.ActiveDocument.1">
+                <p:oleObj name="think-cell 幻灯片" r:id="rId5" imgW="270" imgH="270" progId="TCLayout.ActiveDocument.1">
                   <p:embed/>
                   <p:pic>
                     <p:nvPicPr>
@@ -964,7 +964,7 @@
                       <p:nvPr/>
                     </p:nvPicPr>
                     <p:blipFill>
-                      <a:blip r:embed="rId11"/>
+                      <a:blip r:embed="rId6"/>
                       <a:stretch>
                         <a:fillRect/>
                       </a:stretch>
@@ -2850,7 +2850,7 @@
   </p:cSld>
   <p:clrMap bg1="lt1" tx1="dk1" bg2="lt2" tx2="dk2" accent1="accent1" accent2="accent2" accent3="accent3" accent4="accent4" accent5="accent5" accent6="accent6" hlink="hlink" folHlink="folHlink"/>
   <p:sldLayoutIdLst>
-    <p:sldLayoutId id="2147483697" r:id="rId5"/>
+    <p:sldLayoutId id="2147483697" r:id="rId1"/>
   </p:sldLayoutIdLst>
   <mc:AlternateContent xmlns:mc="http://schemas.openxmlformats.org/markup-compatibility/2006" xmlns:p14="http://schemas.microsoft.com/office/powerpoint/2010/main">
     <mc:Choice Requires="p14">
@@ -2858,7 +2858,7 @@
         <p:fade/>
       </p:transition>
     </mc:Choice>
-    <mc:Fallback>
+    <mc:Fallback xmlns:p15="http://schemas.microsoft.com/office/powerpoint/2012/main" xmlns:a16="http://schemas.microsoft.com/office/drawing/2014/main" xmlns:v="urn:schemas-microsoft-com:vml" xmlns="">
       <p:transition>
         <p:fade/>
       </p:transition>
@@ -3252,7 +3252,7 @@
 </p:sldMaster>
 </file>
 
-<file path=ppt/slides/slide243.xml><?xml version="1.0" encoding="utf-8"?>
+<file path=ppt/slides/slide1.xml><?xml version="1.0" encoding="utf-8"?>
 <p:sld xmlns:a="http://schemas.openxmlformats.org/drawingml/2006/main" xmlns:r="http://schemas.openxmlformats.org/officeDocument/2006/relationships" xmlns:p="http://schemas.openxmlformats.org/presentationml/2006/main" showMasterPhAnim="0">
   <p:cSld>
     <p:spTree>
@@ -3300,7 +3300,7 @@
           <a:graphicData uri="http://schemas.openxmlformats.org/presentationml/2006/ole">
             <mc:AlternateContent xmlns:mc="http://schemas.openxmlformats.org/markup-compatibility/2006">
               <mc:Choice xmlns:v="urn:schemas-microsoft-com:vml" Requires="v">
-                <p:oleObj spid="_x0000_s250896" name="think-cell 幻灯片" r:id="rId5" imgW="349" imgH="350" progId="TCLayout.ActiveDocument.1">
+                <p:oleObj spid="_x0000_s250899" name="think-cell 幻灯片" r:id="rId5" imgW="349" imgH="350" progId="TCLayout.ActiveDocument.1">
                   <p:embed/>
                 </p:oleObj>
               </mc:Choice>
@@ -3368,12 +3368,19 @@
           <a:lstStyle/>
           <a:p>
             <a:r>
-              <a:rPr lang="en-US" noProof="0">
+              <a:rPr lang="en-US" altLang="zh-CN" noProof="0" dirty="0">
+                <a:latin typeface="理想品牌字体 2022" panose="02000500000000000000" pitchFamily="50" charset="-122"/>
+                <a:ea typeface="理想品牌字体 2022" panose="02000500000000000000" pitchFamily="50" charset="-122"/>
+                <a:cs typeface="理想品牌字体 2022" panose="02000500000000000000" pitchFamily="50" charset="-122"/>
                 <a:sym typeface="Futura"/>
               </a:rPr>
-              <a:t>Monthly dashboard calendar</a:t>
+              <a:t>{title}</a:t>
             </a:r>
-            <a:endParaRPr lang="en-US"/>
+            <a:endParaRPr lang="en-US" dirty="0">
+              <a:latin typeface="理想品牌字体 2022" panose="02000500000000000000" pitchFamily="50" charset="-122"/>
+              <a:ea typeface="理想品牌字体 2022" panose="02000500000000000000" pitchFamily="50" charset="-122"/>
+              <a:cs typeface="理想品牌字体 2022" panose="02000500000000000000" pitchFamily="50" charset="-122"/>
+            </a:endParaRPr>
           </a:p>
         </p:txBody>
       </p:sp>
@@ -3597,7 +3604,9 @@
                 <a:effectLst/>
                 <a:uLnTx/>
                 <a:uFillTx/>
-                <a:ea typeface="+mn-ea"/>
+                <a:latin typeface="理想品牌字体 2022" panose="02000500000000000000" pitchFamily="50" charset="-122"/>
+                <a:ea typeface="理想品牌字体 2022" panose="02000500000000000000" pitchFamily="50" charset="-122"/>
+                <a:cs typeface="理想品牌字体 2022" panose="02000500000000000000" pitchFamily="50" charset="-122"/>
               </a:rPr>
               <a:t>XX</a:t>
             </a:r>
@@ -3683,7 +3692,9 @@
                 <a:effectLst/>
                 <a:uLnTx/>
                 <a:uFillTx/>
-                <a:ea typeface="+mn-ea"/>
+                <a:latin typeface="理想品牌字体 2022" panose="02000500000000000000" pitchFamily="50" charset="-122"/>
+                <a:ea typeface="理想品牌字体 2022" panose="02000500000000000000" pitchFamily="50" charset="-122"/>
+                <a:cs typeface="理想品牌字体 2022" panose="02000500000000000000" pitchFamily="50" charset="-122"/>
               </a:rPr>
               <a:t>XX</a:t>
             </a:r>
@@ -3769,7 +3780,9 @@
                 <a:effectLst/>
                 <a:uLnTx/>
                 <a:uFillTx/>
-                <a:ea typeface="+mn-ea"/>
+                <a:latin typeface="理想品牌字体 2022" panose="02000500000000000000" pitchFamily="50" charset="-122"/>
+                <a:ea typeface="理想品牌字体 2022" panose="02000500000000000000" pitchFamily="50" charset="-122"/>
+                <a:cs typeface="理想品牌字体 2022" panose="02000500000000000000" pitchFamily="50" charset="-122"/>
               </a:rPr>
               <a:t>XX</a:t>
             </a:r>
@@ -3855,7 +3868,9 @@
                 <a:effectLst/>
                 <a:uLnTx/>
                 <a:uFillTx/>
-                <a:ea typeface="+mn-ea"/>
+                <a:latin typeface="理想品牌字体 2022" panose="02000500000000000000" pitchFamily="50" charset="-122"/>
+                <a:ea typeface="理想品牌字体 2022" panose="02000500000000000000" pitchFamily="50" charset="-122"/>
+                <a:cs typeface="理想品牌字体 2022" panose="02000500000000000000" pitchFamily="50" charset="-122"/>
               </a:rPr>
               <a:t>XX</a:t>
             </a:r>
@@ -3941,7 +3956,9 @@
                 <a:effectLst/>
                 <a:uLnTx/>
                 <a:uFillTx/>
-                <a:ea typeface="+mn-ea"/>
+                <a:latin typeface="理想品牌字体 2022" panose="02000500000000000000" pitchFamily="50" charset="-122"/>
+                <a:ea typeface="理想品牌字体 2022" panose="02000500000000000000" pitchFamily="50" charset="-122"/>
+                <a:cs typeface="理想品牌字体 2022" panose="02000500000000000000" pitchFamily="50" charset="-122"/>
               </a:rPr>
               <a:t>XX</a:t>
             </a:r>
@@ -4017,7 +4034,7 @@
               <a:defRPr/>
             </a:pPr>
             <a:r>
-              <a:rPr kumimoji="0" lang="en-US" sz="1200" b="0" i="0" u="none" strike="noStrike" kern="1200" cap="none" spc="0" normalizeH="0" baseline="0" noProof="0">
+              <a:rPr kumimoji="0" lang="en-US" sz="1200" b="0" i="0" u="none" strike="noStrike" kern="1200" cap="none" spc="0" normalizeH="0" baseline="0" noProof="0" dirty="0">
                 <a:ln>
                   <a:noFill/>
                 </a:ln>
@@ -4027,7 +4044,9 @@
                 <a:effectLst/>
                 <a:uLnTx/>
                 <a:uFillTx/>
-                <a:ea typeface="+mn-ea"/>
+                <a:latin typeface="理想品牌字体 2022" panose="02000500000000000000" pitchFamily="50" charset="-122"/>
+                <a:ea typeface="理想品牌字体 2022" panose="02000500000000000000" pitchFamily="50" charset="-122"/>
+                <a:cs typeface="理想品牌字体 2022" panose="02000500000000000000" pitchFamily="50" charset="-122"/>
               </a:rPr>
               <a:t>XX</a:t>
             </a:r>
@@ -4113,7 +4132,9 @@
                 <a:effectLst/>
                 <a:uLnTx/>
                 <a:uFillTx/>
-                <a:ea typeface="+mn-ea"/>
+                <a:latin typeface="理想品牌字体 2022" panose="02000500000000000000" pitchFamily="50" charset="-122"/>
+                <a:ea typeface="理想品牌字体 2022" panose="02000500000000000000" pitchFamily="50" charset="-122"/>
+                <a:cs typeface="理想品牌字体 2022" panose="02000500000000000000" pitchFamily="50" charset="-122"/>
               </a:rPr>
               <a:t>XX</a:t>
             </a:r>
@@ -4199,7 +4220,9 @@
                 <a:effectLst/>
                 <a:uLnTx/>
                 <a:uFillTx/>
-                <a:ea typeface="+mn-ea"/>
+                <a:latin typeface="理想品牌字体 2022" panose="02000500000000000000" pitchFamily="50" charset="-122"/>
+                <a:ea typeface="理想品牌字体 2022" panose="02000500000000000000" pitchFamily="50" charset="-122"/>
+                <a:cs typeface="理想品牌字体 2022" panose="02000500000000000000" pitchFamily="50" charset="-122"/>
               </a:rPr>
               <a:t>XX</a:t>
             </a:r>
@@ -4285,7 +4308,9 @@
                 <a:effectLst/>
                 <a:uLnTx/>
                 <a:uFillTx/>
-                <a:ea typeface="+mn-ea"/>
+                <a:latin typeface="理想品牌字体 2022" panose="02000500000000000000" pitchFamily="50" charset="-122"/>
+                <a:ea typeface="理想品牌字体 2022" panose="02000500000000000000" pitchFamily="50" charset="-122"/>
+                <a:cs typeface="理想品牌字体 2022" panose="02000500000000000000" pitchFamily="50" charset="-122"/>
               </a:rPr>
               <a:t>XX</a:t>
             </a:r>
@@ -4371,7 +4396,9 @@
                 <a:effectLst/>
                 <a:uLnTx/>
                 <a:uFillTx/>
-                <a:ea typeface="+mn-ea"/>
+                <a:latin typeface="理想品牌字体 2022" panose="02000500000000000000" pitchFamily="50" charset="-122"/>
+                <a:ea typeface="理想品牌字体 2022" panose="02000500000000000000" pitchFamily="50" charset="-122"/>
+                <a:cs typeface="理想品牌字体 2022" panose="02000500000000000000" pitchFamily="50" charset="-122"/>
               </a:rPr>
               <a:t>XX</a:t>
             </a:r>
@@ -4457,7 +4484,9 @@
                 <a:effectLst/>
                 <a:uLnTx/>
                 <a:uFillTx/>
-                <a:ea typeface="+mn-ea"/>
+                <a:latin typeface="理想品牌字体 2022" panose="02000500000000000000" pitchFamily="50" charset="-122"/>
+                <a:ea typeface="理想品牌字体 2022" panose="02000500000000000000" pitchFamily="50" charset="-122"/>
+                <a:cs typeface="理想品牌字体 2022" panose="02000500000000000000" pitchFamily="50" charset="-122"/>
               </a:rPr>
               <a:t>XX</a:t>
             </a:r>
@@ -4543,7 +4572,9 @@
                 <a:effectLst/>
                 <a:uLnTx/>
                 <a:uFillTx/>
-                <a:ea typeface="+mn-ea"/>
+                <a:latin typeface="理想品牌字体 2022" panose="02000500000000000000" pitchFamily="50" charset="-122"/>
+                <a:ea typeface="理想品牌字体 2022" panose="02000500000000000000" pitchFamily="50" charset="-122"/>
+                <a:cs typeface="理想品牌字体 2022" panose="02000500000000000000" pitchFamily="50" charset="-122"/>
               </a:rPr>
               <a:t>XX</a:t>
             </a:r>
@@ -4629,7 +4660,9 @@
                 <a:effectLst/>
                 <a:uLnTx/>
                 <a:uFillTx/>
-                <a:ea typeface="+mn-ea"/>
+                <a:latin typeface="理想品牌字体 2022" panose="02000500000000000000" pitchFamily="50" charset="-122"/>
+                <a:ea typeface="理想品牌字体 2022" panose="02000500000000000000" pitchFamily="50" charset="-122"/>
+                <a:cs typeface="理想品牌字体 2022" panose="02000500000000000000" pitchFamily="50" charset="-122"/>
               </a:rPr>
               <a:t>XX</a:t>
             </a:r>
@@ -4715,7 +4748,9 @@
                 <a:effectLst/>
                 <a:uLnTx/>
                 <a:uFillTx/>
-                <a:ea typeface="+mn-ea"/>
+                <a:latin typeface="理想品牌字体 2022" panose="02000500000000000000" pitchFamily="50" charset="-122"/>
+                <a:ea typeface="理想品牌字体 2022" panose="02000500000000000000" pitchFamily="50" charset="-122"/>
+                <a:cs typeface="理想品牌字体 2022" panose="02000500000000000000" pitchFamily="50" charset="-122"/>
               </a:rPr>
               <a:t>XX</a:t>
             </a:r>
@@ -4801,7 +4836,9 @@
                 <a:effectLst/>
                 <a:uLnTx/>
                 <a:uFillTx/>
-                <a:ea typeface="+mn-ea"/>
+                <a:latin typeface="理想品牌字体 2022" panose="02000500000000000000" pitchFamily="50" charset="-122"/>
+                <a:ea typeface="理想品牌字体 2022" panose="02000500000000000000" pitchFamily="50" charset="-122"/>
+                <a:cs typeface="理想品牌字体 2022" panose="02000500000000000000" pitchFamily="50" charset="-122"/>
               </a:rPr>
               <a:t>XX</a:t>
             </a:r>
@@ -4887,7 +4924,9 @@
                 <a:effectLst/>
                 <a:uLnTx/>
                 <a:uFillTx/>
-                <a:ea typeface="+mn-ea"/>
+                <a:latin typeface="理想品牌字体 2022" panose="02000500000000000000" pitchFamily="50" charset="-122"/>
+                <a:ea typeface="理想品牌字体 2022" panose="02000500000000000000" pitchFamily="50" charset="-122"/>
+                <a:cs typeface="理想品牌字体 2022" panose="02000500000000000000" pitchFamily="50" charset="-122"/>
               </a:rPr>
               <a:t>XX</a:t>
             </a:r>
@@ -4973,7 +5012,9 @@
                 <a:effectLst/>
                 <a:uLnTx/>
                 <a:uFillTx/>
-                <a:ea typeface="+mn-ea"/>
+                <a:latin typeface="理想品牌字体 2022" panose="02000500000000000000" pitchFamily="50" charset="-122"/>
+                <a:ea typeface="理想品牌字体 2022" panose="02000500000000000000" pitchFamily="50" charset="-122"/>
+                <a:cs typeface="理想品牌字体 2022" panose="02000500000000000000" pitchFamily="50" charset="-122"/>
               </a:rPr>
               <a:t>XX</a:t>
             </a:r>
@@ -5059,7 +5100,9 @@
                 <a:effectLst/>
                 <a:uLnTx/>
                 <a:uFillTx/>
-                <a:ea typeface="+mn-ea"/>
+                <a:latin typeface="理想品牌字体 2022" panose="02000500000000000000" pitchFamily="50" charset="-122"/>
+                <a:ea typeface="理想品牌字体 2022" panose="02000500000000000000" pitchFamily="50" charset="-122"/>
+                <a:cs typeface="理想品牌字体 2022" panose="02000500000000000000" pitchFamily="50" charset="-122"/>
               </a:rPr>
               <a:t>XX</a:t>
             </a:r>
@@ -5145,7 +5188,9 @@
                 <a:effectLst/>
                 <a:uLnTx/>
                 <a:uFillTx/>
-                <a:ea typeface="+mn-ea"/>
+                <a:latin typeface="理想品牌字体 2022" panose="02000500000000000000" pitchFamily="50" charset="-122"/>
+                <a:ea typeface="理想品牌字体 2022" panose="02000500000000000000" pitchFamily="50" charset="-122"/>
+                <a:cs typeface="理想品牌字体 2022" panose="02000500000000000000" pitchFamily="50" charset="-122"/>
               </a:rPr>
               <a:t>XX</a:t>
             </a:r>
@@ -5231,7 +5276,9 @@
                 <a:effectLst/>
                 <a:uLnTx/>
                 <a:uFillTx/>
-                <a:ea typeface="+mn-ea"/>
+                <a:latin typeface="理想品牌字体 2022" panose="02000500000000000000" pitchFamily="50" charset="-122"/>
+                <a:ea typeface="理想品牌字体 2022" panose="02000500000000000000" pitchFamily="50" charset="-122"/>
+                <a:cs typeface="理想品牌字体 2022" panose="02000500000000000000" pitchFamily="50" charset="-122"/>
               </a:rPr>
               <a:t>XX</a:t>
             </a:r>
@@ -5317,7 +5364,9 @@
                 <a:effectLst/>
                 <a:uLnTx/>
                 <a:uFillTx/>
-                <a:ea typeface="+mn-ea"/>
+                <a:latin typeface="理想品牌字体 2022" panose="02000500000000000000" pitchFamily="50" charset="-122"/>
+                <a:ea typeface="理想品牌字体 2022" panose="02000500000000000000" pitchFamily="50" charset="-122"/>
+                <a:cs typeface="理想品牌字体 2022" panose="02000500000000000000" pitchFamily="50" charset="-122"/>
               </a:rPr>
               <a:t>XX</a:t>
             </a:r>
@@ -5403,7 +5452,9 @@
                 <a:effectLst/>
                 <a:uLnTx/>
                 <a:uFillTx/>
-                <a:ea typeface="+mn-ea"/>
+                <a:latin typeface="理想品牌字体 2022" panose="02000500000000000000" pitchFamily="50" charset="-122"/>
+                <a:ea typeface="理想品牌字体 2022" panose="02000500000000000000" pitchFamily="50" charset="-122"/>
+                <a:cs typeface="理想品牌字体 2022" panose="02000500000000000000" pitchFamily="50" charset="-122"/>
               </a:rPr>
               <a:t>XX</a:t>
             </a:r>
@@ -5491,7 +5542,9 @@
                 <a:effectLst/>
                 <a:uLnTx/>
                 <a:uFillTx/>
-                <a:ea typeface="+mn-ea"/>
+                <a:latin typeface="理想品牌字体 2022" panose="02000500000000000000" pitchFamily="50" charset="-122"/>
+                <a:ea typeface="理想品牌字体 2022" panose="02000500000000000000" pitchFamily="50" charset="-122"/>
+                <a:cs typeface="理想品牌字体 2022" panose="02000500000000000000" pitchFamily="50" charset="-122"/>
               </a:rPr>
               <a:t>XX</a:t>
             </a:r>
@@ -5577,7 +5630,9 @@
                 <a:effectLst/>
                 <a:uLnTx/>
                 <a:uFillTx/>
-                <a:ea typeface="+mn-ea"/>
+                <a:latin typeface="理想品牌字体 2022" panose="02000500000000000000" pitchFamily="50" charset="-122"/>
+                <a:ea typeface="理想品牌字体 2022" panose="02000500000000000000" pitchFamily="50" charset="-122"/>
+                <a:cs typeface="理想品牌字体 2022" panose="02000500000000000000" pitchFamily="50" charset="-122"/>
               </a:rPr>
               <a:t>XX</a:t>
             </a:r>
@@ -5664,7 +5719,9 @@
                 <a:effectLst/>
                 <a:uLnTx/>
                 <a:uFillTx/>
-                <a:ea typeface="+mn-ea"/>
+                <a:latin typeface="理想品牌字体 2022" panose="02000500000000000000" pitchFamily="50" charset="-122"/>
+                <a:ea typeface="理想品牌字体 2022" panose="02000500000000000000" pitchFamily="50" charset="-122"/>
+                <a:cs typeface="理想品牌字体 2022" panose="02000500000000000000" pitchFamily="50" charset="-122"/>
               </a:rPr>
               <a:t>XX</a:t>
             </a:r>
@@ -5750,7 +5807,9 @@
                 <a:effectLst/>
                 <a:uLnTx/>
                 <a:uFillTx/>
-                <a:ea typeface="+mn-ea"/>
+                <a:latin typeface="理想品牌字体 2022" panose="02000500000000000000" pitchFamily="50" charset="-122"/>
+                <a:ea typeface="理想品牌字体 2022" panose="02000500000000000000" pitchFamily="50" charset="-122"/>
+                <a:cs typeface="理想品牌字体 2022" panose="02000500000000000000" pitchFamily="50" charset="-122"/>
               </a:rPr>
               <a:t>XX</a:t>
             </a:r>
@@ -5836,7 +5895,9 @@
                 <a:effectLst/>
                 <a:uLnTx/>
                 <a:uFillTx/>
-                <a:ea typeface="+mn-ea"/>
+                <a:latin typeface="理想品牌字体 2022" panose="02000500000000000000" pitchFamily="50" charset="-122"/>
+                <a:ea typeface="理想品牌字体 2022" panose="02000500000000000000" pitchFamily="50" charset="-122"/>
+                <a:cs typeface="理想品牌字体 2022" panose="02000500000000000000" pitchFamily="50" charset="-122"/>
               </a:rPr>
               <a:t>XX</a:t>
             </a:r>
@@ -5922,7 +5983,9 @@
                 <a:effectLst/>
                 <a:uLnTx/>
                 <a:uFillTx/>
-                <a:ea typeface="+mn-ea"/>
+                <a:latin typeface="理想品牌字体 2022" panose="02000500000000000000" pitchFamily="50" charset="-122"/>
+                <a:ea typeface="理想品牌字体 2022" panose="02000500000000000000" pitchFamily="50" charset="-122"/>
+                <a:cs typeface="理想品牌字体 2022" panose="02000500000000000000" pitchFamily="50" charset="-122"/>
               </a:rPr>
               <a:t>XX</a:t>
             </a:r>
@@ -6008,7 +6071,9 @@
                 <a:effectLst/>
                 <a:uLnTx/>
                 <a:uFillTx/>
-                <a:ea typeface="+mn-ea"/>
+                <a:latin typeface="理想品牌字体 2022" panose="02000500000000000000" pitchFamily="50" charset="-122"/>
+                <a:ea typeface="理想品牌字体 2022" panose="02000500000000000000" pitchFamily="50" charset="-122"/>
+                <a:cs typeface="理想品牌字体 2022" panose="02000500000000000000" pitchFamily="50" charset="-122"/>
               </a:rPr>
               <a:t>XX</a:t>
             </a:r>
@@ -6094,7 +6159,9 @@
                 <a:effectLst/>
                 <a:uLnTx/>
                 <a:uFillTx/>
-                <a:ea typeface="+mn-ea"/>
+                <a:latin typeface="理想品牌字体 2022" panose="02000500000000000000" pitchFamily="50" charset="-122"/>
+                <a:ea typeface="理想品牌字体 2022" panose="02000500000000000000" pitchFamily="50" charset="-122"/>
+                <a:cs typeface="理想品牌字体 2022" panose="02000500000000000000" pitchFamily="50" charset="-122"/>
               </a:rPr>
               <a:t>XX</a:t>
             </a:r>
@@ -6180,7 +6247,9 @@
                 <a:effectLst/>
                 <a:uLnTx/>
                 <a:uFillTx/>
-                <a:ea typeface="+mn-ea"/>
+                <a:latin typeface="理想品牌字体 2022" panose="02000500000000000000" pitchFamily="50" charset="-122"/>
+                <a:ea typeface="理想品牌字体 2022" panose="02000500000000000000" pitchFamily="50" charset="-122"/>
+                <a:cs typeface="理想品牌字体 2022" panose="02000500000000000000" pitchFamily="50" charset="-122"/>
               </a:rPr>
               <a:t>XX</a:t>
             </a:r>
@@ -6267,7 +6336,9 @@
                 <a:effectLst/>
                 <a:uLnTx/>
                 <a:uFillTx/>
-                <a:ea typeface="+mn-ea"/>
+                <a:latin typeface="理想品牌字体 2022" panose="02000500000000000000" pitchFamily="50" charset="-122"/>
+                <a:ea typeface="理想品牌字体 2022" panose="02000500000000000000" pitchFamily="50" charset="-122"/>
+                <a:cs typeface="理想品牌字体 2022" panose="02000500000000000000" pitchFamily="50" charset="-122"/>
               </a:rPr>
               <a:t>XX</a:t>
             </a:r>
@@ -6354,7 +6425,9 @@
                 <a:effectLst/>
                 <a:uLnTx/>
                 <a:uFillTx/>
-                <a:ea typeface="+mn-ea"/>
+                <a:latin typeface="理想品牌字体 2022" panose="02000500000000000000" pitchFamily="50" charset="-122"/>
+                <a:ea typeface="理想品牌字体 2022" panose="02000500000000000000" pitchFamily="50" charset="-122"/>
+                <a:cs typeface="理想品牌字体 2022" panose="02000500000000000000" pitchFamily="50" charset="-122"/>
               </a:rPr>
               <a:t>XX</a:t>
             </a:r>
@@ -6440,7 +6513,9 @@
                 <a:effectLst/>
                 <a:uLnTx/>
                 <a:uFillTx/>
-                <a:ea typeface="+mn-ea"/>
+                <a:latin typeface="理想品牌字体 2022" panose="02000500000000000000" pitchFamily="50" charset="-122"/>
+                <a:ea typeface="理想品牌字体 2022" panose="02000500000000000000" pitchFamily="50" charset="-122"/>
+                <a:cs typeface="理想品牌字体 2022" panose="02000500000000000000" pitchFamily="50" charset="-122"/>
               </a:rPr>
               <a:t>XX</a:t>
             </a:r>
@@ -6526,7 +6601,9 @@
                 <a:effectLst/>
                 <a:uLnTx/>
                 <a:uFillTx/>
-                <a:ea typeface="+mn-ea"/>
+                <a:latin typeface="理想品牌字体 2022" panose="02000500000000000000" pitchFamily="50" charset="-122"/>
+                <a:ea typeface="理想品牌字体 2022" panose="02000500000000000000" pitchFamily="50" charset="-122"/>
+                <a:cs typeface="理想品牌字体 2022" panose="02000500000000000000" pitchFamily="50" charset="-122"/>
               </a:rPr>
               <a:t>XX</a:t>
             </a:r>
@@ -6775,7 +6852,7 @@
               <a:defRPr/>
             </a:pPr>
             <a:r>
-              <a:rPr kumimoji="0" lang="en-US" sz="1200" b="1" i="0" u="none" strike="noStrike" kern="1200" cap="none" spc="0" normalizeH="0" baseline="0" noProof="0">
+              <a:rPr kumimoji="0" lang="en-US" sz="1200" b="1" i="0" u="none" strike="noStrike" kern="1200" cap="none" spc="0" normalizeH="0" baseline="0" noProof="0" dirty="0">
                 <a:ln>
                   <a:noFill/>
                 </a:ln>
@@ -6785,14 +6862,14 @@
                 <a:effectLst/>
                 <a:uLnTx/>
                 <a:uFillTx/>
-                <a:latin typeface="+mn-lt"/>
-                <a:ea typeface="+mn-ea"/>
-                <a:cs typeface="+mn-cs"/>
+                <a:latin typeface="理想品牌字体 2022" panose="02000500000000000000" pitchFamily="50" charset="-122"/>
+                <a:ea typeface="理想品牌字体 2022" panose="02000500000000000000" pitchFamily="50" charset="-122"/>
+                <a:cs typeface="理想品牌字体 2022" panose="02000500000000000000" pitchFamily="50" charset="-122"/>
               </a:rPr>
-              <a:t>Lorem ipsum dolor sit </a:t>
+              <a:t> </a:t>
             </a:r>
-            <a:r>
-              <a:rPr kumimoji="0" lang="en-US" sz="1200" b="1" i="0" u="none" strike="noStrike" kern="1200" cap="none" spc="0" normalizeH="0" baseline="0" noProof="0" err="1">
+            <a:br>
+              <a:rPr kumimoji="0" lang="en-US" sz="1200" b="1" i="0" u="none" strike="noStrike" kern="1200" cap="none" spc="0" normalizeH="0" baseline="0" noProof="0" dirty="0">
                 <a:ln>
                   <a:noFill/>
                 </a:ln>
@@ -6802,62 +6879,36 @@
                 <a:effectLst/>
                 <a:uLnTx/>
                 <a:uFillTx/>
-                <a:latin typeface="+mn-lt"/>
-                <a:ea typeface="+mn-ea"/>
-                <a:cs typeface="+mn-cs"/>
-              </a:rPr>
-              <a:t>amet</a:t>
-            </a:r>
-            <a:r>
-              <a:rPr kumimoji="0" lang="en-US" sz="1200" b="1" i="0" u="none" strike="noStrike" kern="1200" cap="none" spc="0" normalizeH="0" baseline="0" noProof="0">
-                <a:ln>
-                  <a:noFill/>
-                </a:ln>
-                <a:solidFill>
-                  <a:schemeClr val="accent1"/>
-                </a:solidFill>
-                <a:effectLst/>
-                <a:uLnTx/>
-                <a:uFillTx/>
-                <a:latin typeface="+mn-lt"/>
-                <a:ea typeface="+mn-ea"/>
-                <a:cs typeface="+mn-cs"/>
-              </a:rPr>
-              <a:t> </a:t>
-            </a:r>
-            <a:br>
-              <a:rPr kumimoji="0" lang="en-US" sz="1200" b="1" i="0" u="none" strike="noStrike" kern="1200" cap="none" spc="0" normalizeH="0" baseline="0" noProof="0">
-                <a:ln>
-                  <a:noFill/>
-                </a:ln>
-                <a:solidFill>
-                  <a:schemeClr val="accent1"/>
-                </a:solidFill>
-                <a:effectLst/>
-                <a:uLnTx/>
-                <a:uFillTx/>
-                <a:latin typeface="+mn-lt"/>
-                <a:ea typeface="+mn-ea"/>
-                <a:cs typeface="+mn-cs"/>
+                <a:latin typeface="理想品牌字体 2022" panose="02000500000000000000" pitchFamily="50" charset="-122"/>
+                <a:ea typeface="理想品牌字体 2022" panose="02000500000000000000" pitchFamily="50" charset="-122"/>
+                <a:cs typeface="理想品牌字体 2022" panose="02000500000000000000" pitchFamily="50" charset="-122"/>
               </a:rPr>
             </a:br>
             <a:r>
-              <a:rPr kumimoji="0" lang="en-US" sz="3200" i="0" u="none" strike="noStrike" kern="1200" spc="0" normalizeH="0" noProof="0">
-                <a:ln>
-                  <a:noFill/>
-                </a:ln>
+              <a:rPr lang="en-US" sz="3200" b="1" cap="none" baseline="0" dirty="0">
                 <a:solidFill>
                   <a:schemeClr val="tx2"/>
                 </a:solidFill>
-                <a:effectLst/>
-                <a:uLnTx/>
-                <a:uFillTx/>
-                <a:latin typeface="+mn-lt"/>
-                <a:ea typeface="+mn-ea"/>
-                <a:cs typeface="+mn-cs"/>
+                <a:latin typeface="理想品牌字体 2022" panose="02000500000000000000" pitchFamily="50" charset="-122"/>
+                <a:ea typeface="理想品牌字体 2022" panose="02000500000000000000" pitchFamily="50" charset="-122"/>
+                <a:cs typeface="理想品牌字体 2022" panose="02000500000000000000" pitchFamily="50" charset="-122"/>
               </a:rPr>
-              <a:t>Lorem Ipsum </a:t>
+              <a:t>{subtitle}</a:t>
             </a:r>
+            <a:endParaRPr kumimoji="0" lang="en-US" sz="3200" i="0" u="none" strike="noStrike" kern="1200" spc="0" normalizeH="0" noProof="0" dirty="0">
+              <a:ln>
+                <a:noFill/>
+              </a:ln>
+              <a:solidFill>
+                <a:schemeClr val="tx2"/>
+              </a:solidFill>
+              <a:effectLst/>
+              <a:uLnTx/>
+              <a:uFillTx/>
+              <a:latin typeface="理想品牌字体 2022" panose="02000500000000000000" pitchFamily="50" charset="-122"/>
+              <a:ea typeface="理想品牌字体 2022" panose="02000500000000000000" pitchFamily="50" charset="-122"/>
+              <a:cs typeface="理想品牌字体 2022" panose="02000500000000000000" pitchFamily="50" charset="-122"/>
+            </a:endParaRPr>
           </a:p>
         </p:txBody>
       </p:sp>
@@ -6940,7 +6991,9 @@
                 <a:effectLst/>
                 <a:uLnTx/>
                 <a:uFillTx/>
-                <a:ea typeface="+mn-ea"/>
+                <a:latin typeface="理想品牌字体 2022" panose="02000500000000000000" pitchFamily="50" charset="-122"/>
+                <a:ea typeface="理想品牌字体 2022" panose="02000500000000000000" pitchFamily="50" charset="-122"/>
+                <a:cs typeface="理想品牌字体 2022" panose="02000500000000000000" pitchFamily="50" charset="-122"/>
               </a:rPr>
               <a:t>01</a:t>
             </a:r>
@@ -7189,7 +7242,7 @@
               <a:defRPr/>
             </a:pPr>
             <a:r>
-              <a:rPr kumimoji="0" lang="en-US" sz="2000" i="0" u="none" strike="noStrike" kern="1200" cap="none" spc="0" normalizeH="0" baseline="0" noProof="0">
+              <a:rPr kumimoji="0" lang="en-US" sz="2000" i="0" u="none" strike="noStrike" kern="1200" cap="none" spc="0" normalizeH="0" baseline="0" noProof="0" dirty="0">
                 <a:ln>
                   <a:noFill/>
                 </a:ln>
@@ -7199,79 +7252,11 @@
                 <a:effectLst/>
                 <a:uLnTx/>
                 <a:uFillTx/>
-                <a:latin typeface="+mn-lt"/>
-                <a:ea typeface="+mn-ea"/>
-                <a:cs typeface="+mn-cs"/>
+                <a:latin typeface="理想品牌字体 2022" panose="02000500000000000000" pitchFamily="50" charset="-122"/>
+                <a:ea typeface="理想品牌字体 2022" panose="02000500000000000000" pitchFamily="50" charset="-122"/>
+                <a:cs typeface="理想品牌字体 2022" panose="02000500000000000000" pitchFamily="50" charset="-122"/>
               </a:rPr>
-              <a:t>Lorem ipsum dolor sit </a:t>
-            </a:r>
-            <a:r>
-              <a:rPr kumimoji="0" lang="en-US" sz="2000" i="0" u="none" strike="noStrike" kern="1200" cap="none" spc="0" normalizeH="0" baseline="0" noProof="0" err="1">
-                <a:ln>
-                  <a:noFill/>
-                </a:ln>
-                <a:solidFill>
-                  <a:schemeClr val="tx2"/>
-                </a:solidFill>
-                <a:effectLst/>
-                <a:uLnTx/>
-                <a:uFillTx/>
-                <a:latin typeface="+mn-lt"/>
-                <a:ea typeface="+mn-ea"/>
-                <a:cs typeface="+mn-cs"/>
-              </a:rPr>
-              <a:t>amet</a:t>
-            </a:r>
-            <a:r>
-              <a:rPr kumimoji="0" lang="en-US" sz="2000" i="0" u="none" strike="noStrike" kern="1200" cap="none" spc="0" normalizeH="0" baseline="0" noProof="0">
-                <a:ln>
-                  <a:noFill/>
-                </a:ln>
-                <a:solidFill>
-                  <a:schemeClr val="tx2"/>
-                </a:solidFill>
-                <a:effectLst/>
-                <a:uLnTx/>
-                <a:uFillTx/>
-                <a:latin typeface="+mn-lt"/>
-                <a:ea typeface="+mn-ea"/>
-                <a:cs typeface="+mn-cs"/>
-              </a:rPr>
-              <a:t>, </a:t>
-            </a:r>
-            <a:r>
-              <a:rPr kumimoji="0" lang="en-US" sz="2000" i="0" u="none" strike="noStrike" kern="1200" cap="none" spc="0" normalizeH="0" baseline="0" noProof="0" err="1">
-                <a:ln>
-                  <a:noFill/>
-                </a:ln>
-                <a:solidFill>
-                  <a:schemeClr val="tx2"/>
-                </a:solidFill>
-                <a:effectLst/>
-                <a:uLnTx/>
-                <a:uFillTx/>
-                <a:latin typeface="+mn-lt"/>
-                <a:ea typeface="+mn-ea"/>
-                <a:cs typeface="+mn-cs"/>
-              </a:rPr>
-              <a:t>consectetur</a:t>
-            </a:r>
-            <a:r>
-              <a:rPr kumimoji="0" lang="en-US" sz="2000" i="0" u="none" strike="noStrike" kern="1200" cap="none" spc="0" normalizeH="0" baseline="0" noProof="0">
-                <a:ln>
-                  <a:noFill/>
-                </a:ln>
-                <a:solidFill>
-                  <a:schemeClr val="tx2"/>
-                </a:solidFill>
-                <a:effectLst/>
-                <a:uLnTx/>
-                <a:uFillTx/>
-                <a:latin typeface="+mn-lt"/>
-                <a:ea typeface="+mn-ea"/>
-                <a:cs typeface="+mn-cs"/>
-              </a:rPr>
-              <a:t> </a:t>
+              <a:t>{subtitle_bullet_1}</a:t>
             </a:r>
           </a:p>
           <a:p>
@@ -7295,7 +7280,7 @@
               <a:defRPr/>
             </a:pPr>
             <a:r>
-              <a:rPr kumimoji="0" lang="en-US" sz="1200" b="0" i="0" u="none" strike="noStrike" kern="1200" cap="none" spc="0" normalizeH="0" baseline="0" noProof="0">
+              <a:rPr kumimoji="0" lang="en-US" sz="1200" b="0" i="0" u="none" strike="noStrike" kern="1200" cap="none" spc="0" normalizeH="0" baseline="0" noProof="0" dirty="0">
                 <a:ln>
                   <a:noFill/>
                 </a:ln>
@@ -7305,79 +7290,11 @@
                 <a:effectLst/>
                 <a:uLnTx/>
                 <a:uFillTx/>
-                <a:latin typeface="+mn-lt"/>
-                <a:ea typeface="+mn-ea"/>
-                <a:cs typeface="+mn-cs"/>
+                <a:latin typeface="理想品牌字体 2022" panose="02000500000000000000" pitchFamily="50" charset="-122"/>
+                <a:ea typeface="理想品牌字体 2022" panose="02000500000000000000" pitchFamily="50" charset="-122"/>
+                <a:cs typeface="理想品牌字体 2022" panose="02000500000000000000" pitchFamily="50" charset="-122"/>
               </a:rPr>
-              <a:t>Lorem ipsum dolor sit </a:t>
-            </a:r>
-            <a:r>
-              <a:rPr kumimoji="0" lang="en-US" sz="1200" b="0" i="0" u="none" strike="noStrike" kern="1200" cap="none" spc="0" normalizeH="0" baseline="0" noProof="0" err="1">
-                <a:ln>
-                  <a:noFill/>
-                </a:ln>
-                <a:solidFill>
-                  <a:schemeClr val="tx1"/>
-                </a:solidFill>
-                <a:effectLst/>
-                <a:uLnTx/>
-                <a:uFillTx/>
-                <a:latin typeface="+mn-lt"/>
-                <a:ea typeface="+mn-ea"/>
-                <a:cs typeface="+mn-cs"/>
-              </a:rPr>
-              <a:t>amet</a:t>
-            </a:r>
-            <a:r>
-              <a:rPr kumimoji="0" lang="en-US" sz="1200" b="0" i="0" u="none" strike="noStrike" kern="1200" cap="none" spc="0" normalizeH="0" baseline="0" noProof="0">
-                <a:ln>
-                  <a:noFill/>
-                </a:ln>
-                <a:solidFill>
-                  <a:schemeClr val="tx1"/>
-                </a:solidFill>
-                <a:effectLst/>
-                <a:uLnTx/>
-                <a:uFillTx/>
-                <a:latin typeface="+mn-lt"/>
-                <a:ea typeface="+mn-ea"/>
-                <a:cs typeface="+mn-cs"/>
-              </a:rPr>
-              <a:t>, </a:t>
-            </a:r>
-            <a:r>
-              <a:rPr kumimoji="0" lang="en-US" sz="1200" b="0" i="0" u="none" strike="noStrike" kern="1200" cap="none" spc="0" normalizeH="0" baseline="0" noProof="0" err="1">
-                <a:ln>
-                  <a:noFill/>
-                </a:ln>
-                <a:solidFill>
-                  <a:schemeClr val="tx1"/>
-                </a:solidFill>
-                <a:effectLst/>
-                <a:uLnTx/>
-                <a:uFillTx/>
-                <a:latin typeface="+mn-lt"/>
-                <a:ea typeface="+mn-ea"/>
-                <a:cs typeface="+mn-cs"/>
-              </a:rPr>
-              <a:t>consectetur</a:t>
-            </a:r>
-            <a:r>
-              <a:rPr kumimoji="0" lang="en-US" sz="1200" b="0" i="0" u="none" strike="noStrike" kern="1200" cap="none" spc="0" normalizeH="0" baseline="0" noProof="0">
-                <a:ln>
-                  <a:noFill/>
-                </a:ln>
-                <a:solidFill>
-                  <a:schemeClr val="tx1"/>
-                </a:solidFill>
-                <a:effectLst/>
-                <a:uLnTx/>
-                <a:uFillTx/>
-                <a:latin typeface="+mn-lt"/>
-                <a:ea typeface="+mn-ea"/>
-                <a:cs typeface="+mn-cs"/>
-              </a:rPr>
-              <a:t> </a:t>
+              <a:t>{subtitle_bullet_1_content}</a:t>
             </a:r>
           </a:p>
         </p:txBody>
@@ -7461,7 +7378,9 @@
                 <a:effectLst/>
                 <a:uLnTx/>
                 <a:uFillTx/>
-                <a:ea typeface="+mn-ea"/>
+                <a:latin typeface="理想品牌字体 2022" panose="02000500000000000000" pitchFamily="50" charset="-122"/>
+                <a:ea typeface="理想品牌字体 2022" panose="02000500000000000000" pitchFamily="50" charset="-122"/>
+                <a:cs typeface="理想品牌字体 2022" panose="02000500000000000000" pitchFamily="50" charset="-122"/>
               </a:rPr>
               <a:t>02</a:t>
             </a:r>
@@ -7690,62 +7609,6 @@
             </a:lvl9pPr>
           </a:lstStyle>
           <a:p>
-            <a:pPr marL="0" indent="0">
-              <a:buNone/>
-              <a:defRPr/>
-            </a:pPr>
-            <a:r>
-              <a:rPr lang="en-US" sz="2000">
-                <a:solidFill>
-                  <a:schemeClr val="tx2"/>
-                </a:solidFill>
-                <a:latin typeface="+mn-lt"/>
-                <a:cs typeface="+mn-cs"/>
-              </a:rPr>
-              <a:t>Lorem ipsum dolor sit </a:t>
-            </a:r>
-            <a:r>
-              <a:rPr lang="en-US" sz="2000" err="1">
-                <a:solidFill>
-                  <a:schemeClr val="tx2"/>
-                </a:solidFill>
-                <a:latin typeface="+mn-lt"/>
-                <a:cs typeface="+mn-cs"/>
-              </a:rPr>
-              <a:t>amet</a:t>
-            </a:r>
-            <a:r>
-              <a:rPr lang="en-US" sz="2000">
-                <a:solidFill>
-                  <a:schemeClr val="tx2"/>
-                </a:solidFill>
-                <a:latin typeface="+mn-lt"/>
-                <a:cs typeface="+mn-cs"/>
-              </a:rPr>
-              <a:t>, </a:t>
-            </a:r>
-            <a:r>
-              <a:rPr lang="en-US" sz="2000" err="1">
-                <a:solidFill>
-                  <a:schemeClr val="tx2"/>
-                </a:solidFill>
-                <a:latin typeface="+mn-lt"/>
-                <a:cs typeface="+mn-cs"/>
-              </a:rPr>
-              <a:t>consectetur</a:t>
-            </a:r>
-            <a:r>
-              <a:rPr lang="en-US" sz="2000">
-                <a:solidFill>
-                  <a:schemeClr val="tx2"/>
-                </a:solidFill>
-                <a:latin typeface="+mn-lt"/>
-                <a:cs typeface="+mn-cs"/>
-              </a:rPr>
-              <a:t> </a:t>
-            </a:r>
-          </a:p>
-          <a:p>
             <a:pPr marL="0" marR="0" lvl="0" indent="0" algn="l" defTabSz="914400" eaLnBrk="1" fontAlgn="auto" latinLnBrk="0" hangingPunct="1">
               <a:lnSpc>
                 <a:spcPct val="100000"/>
@@ -7766,7 +7629,45 @@
               <a:defRPr/>
             </a:pPr>
             <a:r>
-              <a:rPr kumimoji="0" lang="en-US" sz="1200" b="0" i="0" u="none" strike="noStrike" kern="1200" cap="none" spc="0" normalizeH="0" baseline="0" noProof="0">
+              <a:rPr kumimoji="0" lang="en-US" altLang="zh-CN" sz="2000" i="0" u="none" strike="noStrike" kern="1200" cap="none" spc="0" normalizeH="0" baseline="0" noProof="0" dirty="0">
+                <a:ln>
+                  <a:noFill/>
+                </a:ln>
+                <a:solidFill>
+                  <a:schemeClr val="tx2"/>
+                </a:solidFill>
+                <a:effectLst/>
+                <a:uLnTx/>
+                <a:uFillTx/>
+                <a:latin typeface="理想品牌字体 2022" panose="02000500000000000000" pitchFamily="50" charset="-122"/>
+                <a:ea typeface="理想品牌字体 2022" panose="02000500000000000000" pitchFamily="50" charset="-122"/>
+                <a:cs typeface="理想品牌字体 2022" panose="02000500000000000000" pitchFamily="50" charset="-122"/>
+              </a:rPr>
+              <a:t>{subtitle_bullet_2}</a:t>
+            </a:r>
+          </a:p>
+          <a:p>
+            <a:pPr marL="0" marR="0" lvl="0" indent="0" algn="l" defTabSz="914400" eaLnBrk="1" fontAlgn="auto" latinLnBrk="0" hangingPunct="1">
+              <a:lnSpc>
+                <a:spcPct val="100000"/>
+              </a:lnSpc>
+              <a:spcBef>
+                <a:spcPts val="0"/>
+              </a:spcBef>
+              <a:spcAft>
+                <a:spcPts val="300"/>
+              </a:spcAft>
+              <a:buClr>
+                <a:srgbClr val="454545"/>
+              </a:buClr>
+              <a:buSzTx/>
+              <a:buFont typeface="Wingdings" panose="05000000000000000000" pitchFamily="2" charset="2"/>
+              <a:buNone/>
+              <a:tabLst/>
+              <a:defRPr/>
+            </a:pPr>
+            <a:r>
+              <a:rPr kumimoji="0" lang="en-US" altLang="zh-CN" sz="1200" b="0" i="0" u="none" strike="noStrike" kern="1200" cap="none" spc="0" normalizeH="0" baseline="0" noProof="0" dirty="0">
                 <a:ln>
                   <a:noFill/>
                 </a:ln>
@@ -7776,79 +7677,11 @@
                 <a:effectLst/>
                 <a:uLnTx/>
                 <a:uFillTx/>
-                <a:latin typeface="+mn-lt"/>
-                <a:ea typeface="+mn-ea"/>
-                <a:cs typeface="+mn-cs"/>
+                <a:latin typeface="理想品牌字体 2022" panose="02000500000000000000" pitchFamily="50" charset="-122"/>
+                <a:ea typeface="理想品牌字体 2022" panose="02000500000000000000" pitchFamily="50" charset="-122"/>
+                <a:cs typeface="理想品牌字体 2022" panose="02000500000000000000" pitchFamily="50" charset="-122"/>
               </a:rPr>
-              <a:t>Lorem ipsum dolor sit </a:t>
-            </a:r>
-            <a:r>
-              <a:rPr kumimoji="0" lang="en-US" sz="1200" b="0" i="0" u="none" strike="noStrike" kern="1200" cap="none" spc="0" normalizeH="0" baseline="0" noProof="0" err="1">
-                <a:ln>
-                  <a:noFill/>
-                </a:ln>
-                <a:solidFill>
-                  <a:schemeClr val="tx1"/>
-                </a:solidFill>
-                <a:effectLst/>
-                <a:uLnTx/>
-                <a:uFillTx/>
-                <a:latin typeface="+mn-lt"/>
-                <a:ea typeface="+mn-ea"/>
-                <a:cs typeface="+mn-cs"/>
-              </a:rPr>
-              <a:t>amet</a:t>
-            </a:r>
-            <a:r>
-              <a:rPr kumimoji="0" lang="en-US" sz="1200" b="0" i="0" u="none" strike="noStrike" kern="1200" cap="none" spc="0" normalizeH="0" baseline="0" noProof="0">
-                <a:ln>
-                  <a:noFill/>
-                </a:ln>
-                <a:solidFill>
-                  <a:schemeClr val="tx1"/>
-                </a:solidFill>
-                <a:effectLst/>
-                <a:uLnTx/>
-                <a:uFillTx/>
-                <a:latin typeface="+mn-lt"/>
-                <a:ea typeface="+mn-ea"/>
-                <a:cs typeface="+mn-cs"/>
-              </a:rPr>
-              <a:t>, </a:t>
-            </a:r>
-            <a:r>
-              <a:rPr kumimoji="0" lang="en-US" sz="1200" b="0" i="0" u="none" strike="noStrike" kern="1200" cap="none" spc="0" normalizeH="0" baseline="0" noProof="0" err="1">
-                <a:ln>
-                  <a:noFill/>
-                </a:ln>
-                <a:solidFill>
-                  <a:schemeClr val="tx1"/>
-                </a:solidFill>
-                <a:effectLst/>
-                <a:uLnTx/>
-                <a:uFillTx/>
-                <a:latin typeface="+mn-lt"/>
-                <a:ea typeface="+mn-ea"/>
-                <a:cs typeface="+mn-cs"/>
-              </a:rPr>
-              <a:t>consectetur</a:t>
-            </a:r>
-            <a:r>
-              <a:rPr kumimoji="0" lang="en-US" sz="1200" b="0" i="0" u="none" strike="noStrike" kern="1200" cap="none" spc="0" normalizeH="0" baseline="0" noProof="0">
-                <a:ln>
-                  <a:noFill/>
-                </a:ln>
-                <a:solidFill>
-                  <a:schemeClr val="tx1"/>
-                </a:solidFill>
-                <a:effectLst/>
-                <a:uLnTx/>
-                <a:uFillTx/>
-                <a:latin typeface="+mn-lt"/>
-                <a:ea typeface="+mn-ea"/>
-                <a:cs typeface="+mn-cs"/>
-              </a:rPr>
-              <a:t> </a:t>
+              <a:t>{subtitle_bullet_2_content}</a:t>
             </a:r>
           </a:p>
         </p:txBody>
@@ -7932,7 +7765,9 @@
                 <a:effectLst/>
                 <a:uLnTx/>
                 <a:uFillTx/>
-                <a:ea typeface="+mn-ea"/>
+                <a:latin typeface="理想品牌字体 2022" panose="02000500000000000000" pitchFamily="50" charset="-122"/>
+                <a:ea typeface="理想品牌字体 2022" panose="02000500000000000000" pitchFamily="50" charset="-122"/>
+                <a:cs typeface="理想品牌字体 2022" panose="02000500000000000000" pitchFamily="50" charset="-122"/>
               </a:rPr>
               <a:t>03</a:t>
             </a:r>
@@ -8161,62 +7996,6 @@
             </a:lvl9pPr>
           </a:lstStyle>
           <a:p>
-            <a:pPr marL="0" indent="0">
-              <a:buNone/>
-              <a:defRPr/>
-            </a:pPr>
-            <a:r>
-              <a:rPr lang="en-US" sz="2000">
-                <a:solidFill>
-                  <a:schemeClr val="tx2"/>
-                </a:solidFill>
-                <a:latin typeface="+mn-lt"/>
-                <a:cs typeface="+mn-cs"/>
-              </a:rPr>
-              <a:t>Lorem ipsum dolor sit </a:t>
-            </a:r>
-            <a:r>
-              <a:rPr lang="en-US" sz="2000" err="1">
-                <a:solidFill>
-                  <a:schemeClr val="tx2"/>
-                </a:solidFill>
-                <a:latin typeface="+mn-lt"/>
-                <a:cs typeface="+mn-cs"/>
-              </a:rPr>
-              <a:t>amet</a:t>
-            </a:r>
-            <a:r>
-              <a:rPr lang="en-US" sz="2000">
-                <a:solidFill>
-                  <a:schemeClr val="tx2"/>
-                </a:solidFill>
-                <a:latin typeface="+mn-lt"/>
-                <a:cs typeface="+mn-cs"/>
-              </a:rPr>
-              <a:t>, </a:t>
-            </a:r>
-            <a:r>
-              <a:rPr lang="en-US" sz="2000" err="1">
-                <a:solidFill>
-                  <a:schemeClr val="tx2"/>
-                </a:solidFill>
-                <a:latin typeface="+mn-lt"/>
-                <a:cs typeface="+mn-cs"/>
-              </a:rPr>
-              <a:t>consectetur</a:t>
-            </a:r>
-            <a:r>
-              <a:rPr lang="en-US" sz="2000">
-                <a:solidFill>
-                  <a:schemeClr val="tx2"/>
-                </a:solidFill>
-                <a:latin typeface="+mn-lt"/>
-                <a:cs typeface="+mn-cs"/>
-              </a:rPr>
-              <a:t> </a:t>
-            </a:r>
-          </a:p>
-          <a:p>
             <a:pPr marL="0" marR="0" lvl="0" indent="0" algn="l" defTabSz="914400" eaLnBrk="1" fontAlgn="auto" latinLnBrk="0" hangingPunct="1">
               <a:lnSpc>
                 <a:spcPct val="100000"/>
@@ -8237,7 +8016,45 @@
               <a:defRPr/>
             </a:pPr>
             <a:r>
-              <a:rPr kumimoji="0" lang="en-US" sz="1200" b="0" i="0" u="none" strike="noStrike" kern="1200" cap="none" spc="0" normalizeH="0" baseline="0" noProof="0">
+              <a:rPr kumimoji="0" lang="en-US" altLang="zh-CN" sz="2000" i="0" u="none" strike="noStrike" kern="1200" cap="none" spc="0" normalizeH="0" baseline="0" noProof="0" dirty="0">
+                <a:ln>
+                  <a:noFill/>
+                </a:ln>
+                <a:solidFill>
+                  <a:schemeClr val="tx2"/>
+                </a:solidFill>
+                <a:effectLst/>
+                <a:uLnTx/>
+                <a:uFillTx/>
+                <a:latin typeface="理想品牌字体 2022" panose="02000500000000000000" pitchFamily="50" charset="-122"/>
+                <a:ea typeface="理想品牌字体 2022" panose="02000500000000000000" pitchFamily="50" charset="-122"/>
+                <a:cs typeface="理想品牌字体 2022" panose="02000500000000000000" pitchFamily="50" charset="-122"/>
+              </a:rPr>
+              <a:t>{subtitle_bullet_3}</a:t>
+            </a:r>
+          </a:p>
+          <a:p>
+            <a:pPr marL="0" marR="0" lvl="0" indent="0" algn="l" defTabSz="914400" eaLnBrk="1" fontAlgn="auto" latinLnBrk="0" hangingPunct="1">
+              <a:lnSpc>
+                <a:spcPct val="100000"/>
+              </a:lnSpc>
+              <a:spcBef>
+                <a:spcPts val="0"/>
+              </a:spcBef>
+              <a:spcAft>
+                <a:spcPts val="300"/>
+              </a:spcAft>
+              <a:buClr>
+                <a:srgbClr val="454545"/>
+              </a:buClr>
+              <a:buSzTx/>
+              <a:buFont typeface="Wingdings" panose="05000000000000000000" pitchFamily="2" charset="2"/>
+              <a:buNone/>
+              <a:tabLst/>
+              <a:defRPr/>
+            </a:pPr>
+            <a:r>
+              <a:rPr kumimoji="0" lang="en-US" altLang="zh-CN" sz="1200" b="0" i="0" u="none" strike="noStrike" kern="1200" cap="none" spc="0" normalizeH="0" baseline="0" noProof="0" dirty="0">
                 <a:ln>
                   <a:noFill/>
                 </a:ln>
@@ -8247,79 +8064,11 @@
                 <a:effectLst/>
                 <a:uLnTx/>
                 <a:uFillTx/>
-                <a:latin typeface="+mn-lt"/>
-                <a:ea typeface="+mn-ea"/>
-                <a:cs typeface="+mn-cs"/>
+                <a:latin typeface="理想品牌字体 2022" panose="02000500000000000000" pitchFamily="50" charset="-122"/>
+                <a:ea typeface="理想品牌字体 2022" panose="02000500000000000000" pitchFamily="50" charset="-122"/>
+                <a:cs typeface="理想品牌字体 2022" panose="02000500000000000000" pitchFamily="50" charset="-122"/>
               </a:rPr>
-              <a:t>Lorem ipsum dolor sit </a:t>
-            </a:r>
-            <a:r>
-              <a:rPr kumimoji="0" lang="en-US" sz="1200" b="0" i="0" u="none" strike="noStrike" kern="1200" cap="none" spc="0" normalizeH="0" baseline="0" noProof="0" err="1">
-                <a:ln>
-                  <a:noFill/>
-                </a:ln>
-                <a:solidFill>
-                  <a:schemeClr val="tx1"/>
-                </a:solidFill>
-                <a:effectLst/>
-                <a:uLnTx/>
-                <a:uFillTx/>
-                <a:latin typeface="+mn-lt"/>
-                <a:ea typeface="+mn-ea"/>
-                <a:cs typeface="+mn-cs"/>
-              </a:rPr>
-              <a:t>amet</a:t>
-            </a:r>
-            <a:r>
-              <a:rPr kumimoji="0" lang="en-US" sz="1200" b="0" i="0" u="none" strike="noStrike" kern="1200" cap="none" spc="0" normalizeH="0" baseline="0" noProof="0">
-                <a:ln>
-                  <a:noFill/>
-                </a:ln>
-                <a:solidFill>
-                  <a:schemeClr val="tx1"/>
-                </a:solidFill>
-                <a:effectLst/>
-                <a:uLnTx/>
-                <a:uFillTx/>
-                <a:latin typeface="+mn-lt"/>
-                <a:ea typeface="+mn-ea"/>
-                <a:cs typeface="+mn-cs"/>
-              </a:rPr>
-              <a:t>, </a:t>
-            </a:r>
-            <a:r>
-              <a:rPr kumimoji="0" lang="en-US" sz="1200" b="0" i="0" u="none" strike="noStrike" kern="1200" cap="none" spc="0" normalizeH="0" baseline="0" noProof="0" err="1">
-                <a:ln>
-                  <a:noFill/>
-                </a:ln>
-                <a:solidFill>
-                  <a:schemeClr val="tx1"/>
-                </a:solidFill>
-                <a:effectLst/>
-                <a:uLnTx/>
-                <a:uFillTx/>
-                <a:latin typeface="+mn-lt"/>
-                <a:ea typeface="+mn-ea"/>
-                <a:cs typeface="+mn-cs"/>
-              </a:rPr>
-              <a:t>consectetur</a:t>
-            </a:r>
-            <a:r>
-              <a:rPr kumimoji="0" lang="en-US" sz="1200" b="0" i="0" u="none" strike="noStrike" kern="1200" cap="none" spc="0" normalizeH="0" baseline="0" noProof="0">
-                <a:ln>
-                  <a:noFill/>
-                </a:ln>
-                <a:solidFill>
-                  <a:schemeClr val="tx1"/>
-                </a:solidFill>
-                <a:effectLst/>
-                <a:uLnTx/>
-                <a:uFillTx/>
-                <a:latin typeface="+mn-lt"/>
-                <a:ea typeface="+mn-ea"/>
-                <a:cs typeface="+mn-cs"/>
-              </a:rPr>
-              <a:t> </a:t>
+              <a:t>{subtitle_bullet_3_content}</a:t>
             </a:r>
           </a:p>
         </p:txBody>
@@ -8403,7 +8152,9 @@
                 <a:effectLst/>
                 <a:uLnTx/>
                 <a:uFillTx/>
-                <a:ea typeface="+mn-ea"/>
+                <a:latin typeface="理想品牌字体 2022" panose="02000500000000000000" pitchFamily="50" charset="-122"/>
+                <a:ea typeface="理想品牌字体 2022" panose="02000500000000000000" pitchFamily="50" charset="-122"/>
+                <a:cs typeface="理想品牌字体 2022" panose="02000500000000000000" pitchFamily="50" charset="-122"/>
               </a:rPr>
               <a:t>04</a:t>
             </a:r>
@@ -8632,62 +8383,6 @@
             </a:lvl9pPr>
           </a:lstStyle>
           <a:p>
-            <a:pPr marL="0" indent="0">
-              <a:buNone/>
-              <a:defRPr/>
-            </a:pPr>
-            <a:r>
-              <a:rPr lang="en-US" sz="2000">
-                <a:solidFill>
-                  <a:schemeClr val="tx2"/>
-                </a:solidFill>
-                <a:latin typeface="+mn-lt"/>
-                <a:cs typeface="+mn-cs"/>
-              </a:rPr>
-              <a:t>Lorem ipsum dolor sit </a:t>
-            </a:r>
-            <a:r>
-              <a:rPr lang="en-US" sz="2000" err="1">
-                <a:solidFill>
-                  <a:schemeClr val="tx2"/>
-                </a:solidFill>
-                <a:latin typeface="+mn-lt"/>
-                <a:cs typeface="+mn-cs"/>
-              </a:rPr>
-              <a:t>amet</a:t>
-            </a:r>
-            <a:r>
-              <a:rPr lang="en-US" sz="2000">
-                <a:solidFill>
-                  <a:schemeClr val="tx2"/>
-                </a:solidFill>
-                <a:latin typeface="+mn-lt"/>
-                <a:cs typeface="+mn-cs"/>
-              </a:rPr>
-              <a:t>, </a:t>
-            </a:r>
-            <a:r>
-              <a:rPr lang="en-US" sz="2000" err="1">
-                <a:solidFill>
-                  <a:schemeClr val="tx2"/>
-                </a:solidFill>
-                <a:latin typeface="+mn-lt"/>
-                <a:cs typeface="+mn-cs"/>
-              </a:rPr>
-              <a:t>consectetur</a:t>
-            </a:r>
-            <a:r>
-              <a:rPr lang="en-US" sz="2000">
-                <a:solidFill>
-                  <a:schemeClr val="tx2"/>
-                </a:solidFill>
-                <a:latin typeface="+mn-lt"/>
-                <a:cs typeface="+mn-cs"/>
-              </a:rPr>
-              <a:t> </a:t>
-            </a:r>
-          </a:p>
-          <a:p>
             <a:pPr marL="0" marR="0" lvl="0" indent="0" algn="l" defTabSz="914400" eaLnBrk="1" fontAlgn="auto" latinLnBrk="0" hangingPunct="1">
               <a:lnSpc>
                 <a:spcPct val="100000"/>
@@ -8708,7 +8403,45 @@
               <a:defRPr/>
             </a:pPr>
             <a:r>
-              <a:rPr kumimoji="0" lang="en-US" sz="1200" b="0" i="0" u="none" strike="noStrike" kern="1200" cap="none" spc="0" normalizeH="0" baseline="0" noProof="0">
+              <a:rPr kumimoji="0" lang="en-US" altLang="zh-CN" sz="2000" i="0" u="none" strike="noStrike" kern="1200" cap="none" spc="0" normalizeH="0" baseline="0" noProof="0" dirty="0">
+                <a:ln>
+                  <a:noFill/>
+                </a:ln>
+                <a:solidFill>
+                  <a:schemeClr val="tx2"/>
+                </a:solidFill>
+                <a:effectLst/>
+                <a:uLnTx/>
+                <a:uFillTx/>
+                <a:latin typeface="理想品牌字体 2022" panose="02000500000000000000" pitchFamily="50" charset="-122"/>
+                <a:ea typeface="理想品牌字体 2022" panose="02000500000000000000" pitchFamily="50" charset="-122"/>
+                <a:cs typeface="理想品牌字体 2022" panose="02000500000000000000" pitchFamily="50" charset="-122"/>
+              </a:rPr>
+              <a:t>{subtitle_bullet_4}</a:t>
+            </a:r>
+          </a:p>
+          <a:p>
+            <a:pPr marL="0" marR="0" lvl="0" indent="0" algn="l" defTabSz="914400" eaLnBrk="1" fontAlgn="auto" latinLnBrk="0" hangingPunct="1">
+              <a:lnSpc>
+                <a:spcPct val="100000"/>
+              </a:lnSpc>
+              <a:spcBef>
+                <a:spcPts val="0"/>
+              </a:spcBef>
+              <a:spcAft>
+                <a:spcPts val="300"/>
+              </a:spcAft>
+              <a:buClr>
+                <a:srgbClr val="454545"/>
+              </a:buClr>
+              <a:buSzTx/>
+              <a:buFont typeface="Wingdings" panose="05000000000000000000" pitchFamily="2" charset="2"/>
+              <a:buNone/>
+              <a:tabLst/>
+              <a:defRPr/>
+            </a:pPr>
+            <a:r>
+              <a:rPr kumimoji="0" lang="en-US" altLang="zh-CN" sz="1200" b="0" i="0" u="none" strike="noStrike" kern="1200" cap="none" spc="0" normalizeH="0" baseline="0" noProof="0" dirty="0">
                 <a:ln>
                   <a:noFill/>
                 </a:ln>
@@ -8718,79 +8451,11 @@
                 <a:effectLst/>
                 <a:uLnTx/>
                 <a:uFillTx/>
-                <a:latin typeface="+mn-lt"/>
-                <a:ea typeface="+mn-ea"/>
-                <a:cs typeface="+mn-cs"/>
+                <a:latin typeface="理想品牌字体 2022" panose="02000500000000000000" pitchFamily="50" charset="-122"/>
+                <a:ea typeface="理想品牌字体 2022" panose="02000500000000000000" pitchFamily="50" charset="-122"/>
+                <a:cs typeface="理想品牌字体 2022" panose="02000500000000000000" pitchFamily="50" charset="-122"/>
               </a:rPr>
-              <a:t>Lorem ipsum dolor sit </a:t>
-            </a:r>
-            <a:r>
-              <a:rPr kumimoji="0" lang="en-US" sz="1200" b="0" i="0" u="none" strike="noStrike" kern="1200" cap="none" spc="0" normalizeH="0" baseline="0" noProof="0" err="1">
-                <a:ln>
-                  <a:noFill/>
-                </a:ln>
-                <a:solidFill>
-                  <a:schemeClr val="tx1"/>
-                </a:solidFill>
-                <a:effectLst/>
-                <a:uLnTx/>
-                <a:uFillTx/>
-                <a:latin typeface="+mn-lt"/>
-                <a:ea typeface="+mn-ea"/>
-                <a:cs typeface="+mn-cs"/>
-              </a:rPr>
-              <a:t>amet</a:t>
-            </a:r>
-            <a:r>
-              <a:rPr kumimoji="0" lang="en-US" sz="1200" b="0" i="0" u="none" strike="noStrike" kern="1200" cap="none" spc="0" normalizeH="0" baseline="0" noProof="0">
-                <a:ln>
-                  <a:noFill/>
-                </a:ln>
-                <a:solidFill>
-                  <a:schemeClr val="tx1"/>
-                </a:solidFill>
-                <a:effectLst/>
-                <a:uLnTx/>
-                <a:uFillTx/>
-                <a:latin typeface="+mn-lt"/>
-                <a:ea typeface="+mn-ea"/>
-                <a:cs typeface="+mn-cs"/>
-              </a:rPr>
-              <a:t>, </a:t>
-            </a:r>
-            <a:r>
-              <a:rPr kumimoji="0" lang="en-US" sz="1200" b="0" i="0" u="none" strike="noStrike" kern="1200" cap="none" spc="0" normalizeH="0" baseline="0" noProof="0" err="1">
-                <a:ln>
-                  <a:noFill/>
-                </a:ln>
-                <a:solidFill>
-                  <a:schemeClr val="tx1"/>
-                </a:solidFill>
-                <a:effectLst/>
-                <a:uLnTx/>
-                <a:uFillTx/>
-                <a:latin typeface="+mn-lt"/>
-                <a:ea typeface="+mn-ea"/>
-                <a:cs typeface="+mn-cs"/>
-              </a:rPr>
-              <a:t>consectetur</a:t>
-            </a:r>
-            <a:r>
-              <a:rPr kumimoji="0" lang="en-US" sz="1200" b="0" i="0" u="none" strike="noStrike" kern="1200" cap="none" spc="0" normalizeH="0" baseline="0" noProof="0">
-                <a:ln>
-                  <a:noFill/>
-                </a:ln>
-                <a:solidFill>
-                  <a:schemeClr val="tx1"/>
-                </a:solidFill>
-                <a:effectLst/>
-                <a:uLnTx/>
-                <a:uFillTx/>
-                <a:latin typeface="+mn-lt"/>
-                <a:ea typeface="+mn-ea"/>
-                <a:cs typeface="+mn-cs"/>
-              </a:rPr>
-              <a:t> </a:t>
+              <a:t>{subtitle_bullet_4_content}</a:t>
             </a:r>
           </a:p>
         </p:txBody>
@@ -9205,9 +8870,9 @@
                   <a:effectLst/>
                   <a:uLnTx/>
                   <a:uFillTx/>
-                  <a:latin typeface="+mn-lt"/>
-                  <a:ea typeface="+mn-ea"/>
-                  <a:cs typeface="+mn-cs"/>
+                  <a:latin typeface="理想品牌字体 2022" panose="02000500000000000000" pitchFamily="50" charset="-122"/>
+                  <a:ea typeface="理想品牌字体 2022" panose="02000500000000000000" pitchFamily="50" charset="-122"/>
+                  <a:cs typeface="理想品牌字体 2022" panose="02000500000000000000" pitchFamily="50" charset="-122"/>
                 </a:rPr>
                 <a:t>Month</a:t>
               </a:r>
@@ -9467,9 +9132,9 @@
                   <a:effectLst/>
                   <a:uLnTx/>
                   <a:uFillTx/>
-                  <a:latin typeface="+mn-lt"/>
-                  <a:ea typeface="+mn-ea"/>
-                  <a:cs typeface="+mn-cs"/>
+                  <a:latin typeface="理想品牌字体 2022" panose="02000500000000000000" pitchFamily="50" charset="-122"/>
+                  <a:ea typeface="理想品牌字体 2022" panose="02000500000000000000" pitchFamily="50" charset="-122"/>
+                  <a:cs typeface="理想品牌字体 2022" panose="02000500000000000000" pitchFamily="50" charset="-122"/>
                 </a:rPr>
                 <a:t>YEAR</a:t>
               </a:r>
@@ -9751,9 +9416,9 @@
                   <a:effectLst/>
                   <a:uLnTx/>
                   <a:uFillTx/>
-                  <a:latin typeface="+mn-lt"/>
-                  <a:ea typeface="+mn-ea"/>
-                  <a:cs typeface="+mn-cs"/>
+                  <a:latin typeface="理想品牌字体 2022" panose="02000500000000000000" pitchFamily="50" charset="-122"/>
+                  <a:ea typeface="理想品牌字体 2022" panose="02000500000000000000" pitchFamily="50" charset="-122"/>
+                  <a:cs typeface="理想品牌字体 2022" panose="02000500000000000000" pitchFamily="50" charset="-122"/>
                 </a:rPr>
                 <a:t>Mon</a:t>
               </a:r>
@@ -10012,9 +9677,9 @@
                   <a:effectLst/>
                   <a:uLnTx/>
                   <a:uFillTx/>
-                  <a:latin typeface="+mn-lt"/>
-                  <a:ea typeface="+mn-ea"/>
-                  <a:cs typeface="+mn-cs"/>
+                  <a:latin typeface="理想品牌字体 2022" panose="02000500000000000000" pitchFamily="50" charset="-122"/>
+                  <a:ea typeface="理想品牌字体 2022" panose="02000500000000000000" pitchFamily="50" charset="-122"/>
+                  <a:cs typeface="理想品牌字体 2022" panose="02000500000000000000" pitchFamily="50" charset="-122"/>
                 </a:rPr>
                 <a:t>Tue</a:t>
               </a:r>
@@ -10273,9 +9938,9 @@
                   <a:effectLst/>
                   <a:uLnTx/>
                   <a:uFillTx/>
-                  <a:latin typeface="+mn-lt"/>
-                  <a:ea typeface="+mn-ea"/>
-                  <a:cs typeface="+mn-cs"/>
+                  <a:latin typeface="理想品牌字体 2022" panose="02000500000000000000" pitchFamily="50" charset="-122"/>
+                  <a:ea typeface="理想品牌字体 2022" panose="02000500000000000000" pitchFamily="50" charset="-122"/>
+                  <a:cs typeface="理想品牌字体 2022" panose="02000500000000000000" pitchFamily="50" charset="-122"/>
                 </a:rPr>
                 <a:t>Wed</a:t>
               </a:r>
@@ -10534,9 +10199,9 @@
                   <a:effectLst/>
                   <a:uLnTx/>
                   <a:uFillTx/>
-                  <a:latin typeface="+mn-lt"/>
-                  <a:ea typeface="+mn-ea"/>
-                  <a:cs typeface="+mn-cs"/>
+                  <a:latin typeface="理想品牌字体 2022" panose="02000500000000000000" pitchFamily="50" charset="-122"/>
+                  <a:ea typeface="理想品牌字体 2022" panose="02000500000000000000" pitchFamily="50" charset="-122"/>
+                  <a:cs typeface="理想品牌字体 2022" panose="02000500000000000000" pitchFamily="50" charset="-122"/>
                 </a:rPr>
                 <a:t>Thu</a:t>
               </a:r>
@@ -10795,9 +10460,9 @@
                   <a:effectLst/>
                   <a:uLnTx/>
                   <a:uFillTx/>
-                  <a:latin typeface="+mn-lt"/>
-                  <a:ea typeface="+mn-ea"/>
-                  <a:cs typeface="+mn-cs"/>
+                  <a:latin typeface="理想品牌字体 2022" panose="02000500000000000000" pitchFamily="50" charset="-122"/>
+                  <a:ea typeface="理想品牌字体 2022" panose="02000500000000000000" pitchFamily="50" charset="-122"/>
+                  <a:cs typeface="理想品牌字体 2022" panose="02000500000000000000" pitchFamily="50" charset="-122"/>
                 </a:rPr>
                 <a:t>Fri</a:t>
               </a:r>
@@ -11056,9 +10721,9 @@
                   <a:effectLst/>
                   <a:uLnTx/>
                   <a:uFillTx/>
-                  <a:latin typeface="+mn-lt"/>
-                  <a:ea typeface="+mn-ea"/>
-                  <a:cs typeface="+mn-cs"/>
+                  <a:latin typeface="理想品牌字体 2022" panose="02000500000000000000" pitchFamily="50" charset="-122"/>
+                  <a:ea typeface="理想品牌字体 2022" panose="02000500000000000000" pitchFamily="50" charset="-122"/>
+                  <a:cs typeface="理想品牌字体 2022" panose="02000500000000000000" pitchFamily="50" charset="-122"/>
                 </a:rPr>
                 <a:t>Sat</a:t>
               </a:r>
@@ -11317,9 +10982,9 @@
                   <a:effectLst/>
                   <a:uLnTx/>
                   <a:uFillTx/>
-                  <a:latin typeface="+mn-lt"/>
-                  <a:ea typeface="+mn-ea"/>
-                  <a:cs typeface="+mn-cs"/>
+                  <a:latin typeface="理想品牌字体 2022" panose="02000500000000000000" pitchFamily="50" charset="-122"/>
+                  <a:ea typeface="理想品牌字体 2022" panose="02000500000000000000" pitchFamily="50" charset="-122"/>
+                  <a:cs typeface="理想品牌字体 2022" panose="02000500000000000000" pitchFamily="50" charset="-122"/>
                 </a:rPr>
                 <a:t>Sun</a:t>
               </a:r>
@@ -11677,7 +11342,7 @@
 </p:tagLst>
 </file>
 
-<file path=ppt/tags/tag2070.xml><?xml version="1.0" encoding="utf-8"?>
+<file path=ppt/tags/tag3.xml><?xml version="1.0" encoding="utf-8"?>
 <p:tagLst xmlns:a="http://schemas.openxmlformats.org/drawingml/2006/main" xmlns:r="http://schemas.openxmlformats.org/officeDocument/2006/relationships" xmlns:p="http://schemas.openxmlformats.org/presentationml/2006/main">
   <p:tag name="THINKCELLSHAPEDONOTDELETE" val="thinkcellActiveDocDoNotDelete"/>
 </p:tagLst>
@@ -12595,17 +12260,6 @@
 </file>
 
 <file path=customXml/item1.xml><?xml version="1.0" encoding="utf-8"?>
-<p:properties xmlns:p="http://schemas.microsoft.com/office/2006/metadata/properties" xmlns:xsi="http://www.w3.org/2001/XMLSchema-instance" xmlns:pc="http://schemas.microsoft.com/office/infopath/2007/PartnerControls">
-  <documentManagement>
-    <lcf76f155ced4ddcb4097134ff3c332f xmlns="6dd700bd-da09-4649-9444-0dda6d878ea0">
-      <Terms xmlns="http://schemas.microsoft.com/office/infopath/2007/PartnerControls"/>
-    </lcf76f155ced4ddcb4097134ff3c332f>
-    <TaxCatchAll xmlns="864686ff-c528-4121-8c14-dfe2dfe54fd3" xsi:nil="true"/>
-  </documentManagement>
-</p:properties>
-</file>
-
-<file path=customXml/item2.xml><?xml version="1.0" encoding="utf-8"?>
 <ct:contentTypeSchema xmlns:ct="http://schemas.microsoft.com/office/2006/metadata/contentType" xmlns:ma="http://schemas.microsoft.com/office/2006/metadata/properties/metaAttributes" ct:_="" ma:_="" ma:contentTypeName="Document" ma:contentTypeID="0x01010044EBA828D669A945A665683A6A0700C6" ma:contentTypeVersion="16" ma:contentTypeDescription="Create a new document." ma:contentTypeScope="" ma:versionID="3689712686b1536c59bae695a2aec147">
   <xsd:schema xmlns:xsd="http://www.w3.org/2001/XMLSchema" xmlns:xs="http://www.w3.org/2001/XMLSchema" xmlns:p="http://schemas.microsoft.com/office/2006/metadata/properties" xmlns:ns2="6dd700bd-da09-4649-9444-0dda6d878ea0" xmlns:ns3="864686ff-c528-4121-8c14-dfe2dfe54fd3" targetNamespace="http://schemas.microsoft.com/office/2006/metadata/properties" ma:root="true" ma:fieldsID="b09bedee47c1608be4bb72120d99801d" ns2:_="" ns3:_="">
     <xsd:import namespace="6dd700bd-da09-4649-9444-0dda6d878ea0"/>
@@ -12840,24 +12494,18 @@
 </ct:contentTypeSchema>
 </file>
 
-<file path=customXml/itemProps1.xml><?xml version="1.0" encoding="utf-8"?>
-<ds:datastoreItem xmlns:ds="http://schemas.openxmlformats.org/officeDocument/2006/customXml" ds:itemID="{D3B317A9-6803-48C9-9473-817C969622FE}">
-  <ds:schemaRefs>
-    <ds:schemaRef ds:uri="http://schemas.microsoft.com/office/2006/documentManagement/types"/>
-    <ds:schemaRef ds:uri="http://purl.org/dc/elements/1.1/"/>
-    <ds:schemaRef ds:uri="http://purl.org/dc/dcmitype/"/>
-    <ds:schemaRef ds:uri="6dd700bd-da09-4649-9444-0dda6d878ea0"/>
-    <ds:schemaRef ds:uri="http://www.w3.org/XML/1998/namespace"/>
-    <ds:schemaRef ds:uri="http://purl.org/dc/terms/"/>
-    <ds:schemaRef ds:uri="http://schemas.microsoft.com/office/2006/metadata/properties"/>
-    <ds:schemaRef ds:uri="http://schemas.microsoft.com/office/infopath/2007/PartnerControls"/>
-    <ds:schemaRef ds:uri="http://schemas.openxmlformats.org/package/2006/metadata/core-properties"/>
-    <ds:schemaRef ds:uri="864686ff-c528-4121-8c14-dfe2dfe54fd3"/>
-  </ds:schemaRefs>
-</ds:datastoreItem>
+<file path=customXml/item2.xml><?xml version="1.0" encoding="utf-8"?>
+<p:properties xmlns:p="http://schemas.microsoft.com/office/2006/metadata/properties" xmlns:xsi="http://www.w3.org/2001/XMLSchema-instance" xmlns:pc="http://schemas.microsoft.com/office/infopath/2007/PartnerControls">
+  <documentManagement>
+    <lcf76f155ced4ddcb4097134ff3c332f xmlns="6dd700bd-da09-4649-9444-0dda6d878ea0">
+      <Terms xmlns="http://schemas.microsoft.com/office/infopath/2007/PartnerControls"/>
+    </lcf76f155ced4ddcb4097134ff3c332f>
+    <TaxCatchAll xmlns="864686ff-c528-4121-8c14-dfe2dfe54fd3" xsi:nil="true"/>
+  </documentManagement>
+</p:properties>
 </file>
 
-<file path=customXml/itemProps2.xml><?xml version="1.0" encoding="utf-8"?>
+<file path=customXml/itemProps1.xml><?xml version="1.0" encoding="utf-8"?>
 <ds:datastoreItem xmlns:ds="http://schemas.openxmlformats.org/officeDocument/2006/customXml" ds:itemID="{343A29A7-6CC8-4547-B6F1-D3AFCBF90A13}">
   <ds:schemaRefs>
     <ds:schemaRef ds:uri="6dd700bd-da09-4649-9444-0dda6d878ea0"/>
@@ -12874,4 +12522,21 @@
     <ds:schemaRef ds:uri="http://www.w3.org/2001/XMLSchema"/>
   </ds:schemaRefs>
 </ds:datastoreItem>
+</file>
+
+<file path=customXml/itemProps2.xml><?xml version="1.0" encoding="utf-8"?>
+<ds:datastoreItem xmlns:ds="http://schemas.openxmlformats.org/officeDocument/2006/customXml" ds:itemID="{D3B317A9-6803-48C9-9473-817C969622FE}">
+  <ds:schemaRefs>
+    <ds:schemaRef ds:uri="http://schemas.microsoft.com/office/2006/documentManagement/types"/>
+    <ds:schemaRef ds:uri="http://purl.org/dc/elements/1.1/"/>
+    <ds:schemaRef ds:uri="http://purl.org/dc/dcmitype/"/>
+    <ds:schemaRef ds:uri="6dd700bd-da09-4649-9444-0dda6d878ea0"/>
+    <ds:schemaRef ds:uri="http://www.w3.org/XML/1998/namespace"/>
+    <ds:schemaRef ds:uri="http://purl.org/dc/terms/"/>
+    <ds:schemaRef ds:uri="http://schemas.microsoft.com/office/2006/metadata/properties"/>
+    <ds:schemaRef ds:uri="http://schemas.microsoft.com/office/infopath/2007/PartnerControls"/>
+    <ds:schemaRef ds:uri="http://schemas.openxmlformats.org/package/2006/metadata/core-properties"/>
+    <ds:schemaRef ds:uri="864686ff-c528-4121-8c14-dfe2dfe54fd3"/>
+  </ds:schemaRefs>
+</ds:datastoreItem>
 </file>